--- a/chapter-04/04-configmaps/04_04_configmaps.pptx
+++ b/chapter-04/04-configmaps/04_04_configmaps.pptx
@@ -15587,13 +15587,24 @@
           <a:p>
             <a:r>
               <a:rPr lang="en-US" dirty="0"/>
-              <a:t>Add an environment variable named MY_EXAM_ENV that reads the value of ‘exam’ in ‘</a:t>
+              <a:t>Add an environment variable named MY_EXAM_ENV that reads the value of ‘exam</a:t>
             </a:r>
             <a:r>
               <a:rPr lang="en-US"/>
-              <a:t>myconfigmap’</a:t>
-            </a:r>
-            <a:endParaRPr lang="en-US" dirty="0"/>
+              <a:t>’ from </a:t>
+            </a:r>
+            <a:r>
+              <a:rPr lang="en-US" dirty="0"/>
+              <a:t>‘</a:t>
+            </a:r>
+            <a:r>
+              <a:rPr lang="en-US" dirty="0" err="1"/>
+              <a:t>myconfigmap</a:t>
+            </a:r>
+            <a:r>
+              <a:rPr lang="en-US" dirty="0"/>
+              <a:t>’</a:t>
+            </a:r>
           </a:p>
         </p:txBody>
       </p:sp>
